--- a/PPT/07 四大组件-Activity.pptx
+++ b/PPT/07 四大组件-Activity.pptx
@@ -20,19 +20,19 @@
     <p:sldId id="688" r:id="rId11"/>
     <p:sldId id="689" r:id="rId12"/>
     <p:sldId id="664" r:id="rId13"/>
-    <p:sldId id="701" r:id="rId14"/>
-    <p:sldId id="313" r:id="rId15"/>
-    <p:sldId id="667" r:id="rId16"/>
-    <p:sldId id="314" r:id="rId17"/>
-    <p:sldId id="669" r:id="rId18"/>
-    <p:sldId id="315" r:id="rId19"/>
-    <p:sldId id="316" r:id="rId20"/>
-    <p:sldId id="317" r:id="rId21"/>
-    <p:sldId id="318" r:id="rId22"/>
-    <p:sldId id="319" r:id="rId23"/>
-    <p:sldId id="321" r:id="rId24"/>
-    <p:sldId id="320" r:id="rId25"/>
-    <p:sldId id="340" r:id="rId26"/>
+    <p:sldId id="313" r:id="rId14"/>
+    <p:sldId id="667" r:id="rId15"/>
+    <p:sldId id="314" r:id="rId16"/>
+    <p:sldId id="669" r:id="rId17"/>
+    <p:sldId id="315" r:id="rId18"/>
+    <p:sldId id="316" r:id="rId19"/>
+    <p:sldId id="317" r:id="rId20"/>
+    <p:sldId id="318" r:id="rId21"/>
+    <p:sldId id="319" r:id="rId22"/>
+    <p:sldId id="321" r:id="rId23"/>
+    <p:sldId id="320" r:id="rId24"/>
+    <p:sldId id="340" r:id="rId25"/>
+    <p:sldId id="694" r:id="rId26"/>
     <p:sldId id="322" r:id="rId27"/>
     <p:sldId id="323" r:id="rId28"/>
     <p:sldId id="324" r:id="rId29"/>
@@ -240,7 +240,7 @@
           <a:p>
             <a:fld id="{C3E0EA16-9076-4FE5-8A1E-5E3165543917}" type="datetimeFigureOut">
               <a:rPr lang="zh-CN" altLang="en-US" smtClean="0"/>
-              <a:t>2020/10/22</a:t>
+              <a:t>2020/10/23</a:t>
             </a:fld>
             <a:endParaRPr lang="zh-CN" altLang="en-US"/>
           </a:p>
@@ -978,7 +978,7 @@
           <a:p>
             <a:fld id="{67AFED13-18EC-4853-B935-6E23F2540B2D}" type="slidenum">
               <a:rPr lang="zh-CN" altLang="en-US" smtClean="0"/>
-              <a:t>15</a:t>
+              <a:t>14</a:t>
             </a:fld>
             <a:endParaRPr lang="zh-CN" altLang="en-US"/>
           </a:p>
@@ -1398,7 +1398,7 @@
           <a:p>
             <a:fld id="{67AFED13-18EC-4853-B935-6E23F2540B2D}" type="slidenum">
               <a:rPr lang="zh-CN" altLang="en-US" smtClean="0"/>
-              <a:t>16</a:t>
+              <a:t>15</a:t>
             </a:fld>
             <a:endParaRPr lang="zh-CN" altLang="en-US"/>
           </a:p>
@@ -1444,7 +1444,12 @@
             <p:ph type="sldImg"/>
           </p:nvPr>
         </p:nvSpPr>
-        <p:spPr/>
+        <p:spPr>
+          <a:xfrm>
+            <a:off x="381000" y="685800"/>
+            <a:ext cx="6096000" cy="3429000"/>
+          </a:xfrm>
+        </p:spPr>
       </p:sp>
       <p:sp>
         <p:nvSpPr>
@@ -1461,10 +1466,6 @@
           <a:bodyPr/>
           <a:lstStyle/>
           <a:p>
-            <a:r>
-              <a:rPr lang="en-US" altLang="zh-CN" dirty="0"/>
-              <a:t>resume</a:t>
-            </a:r>
             <a:endParaRPr lang="zh-CN" altLang="en-US" dirty="0"/>
           </a:p>
         </p:txBody>
@@ -1484,9 +1485,9 @@
           <a:bodyPr/>
           <a:lstStyle/>
           <a:p>
-            <a:fld id="{0C1F1DD4-9E55-4662-8770-743E8CF9A43E}" type="slidenum">
+            <a:fld id="{67AFED13-18EC-4853-B935-6E23F2540B2D}" type="slidenum">
               <a:rPr lang="zh-CN" altLang="en-US" smtClean="0"/>
-              <a:t>27</a:t>
+              <a:t>25</a:t>
             </a:fld>
             <a:endParaRPr lang="zh-CN" altLang="en-US"/>
           </a:p>
@@ -1495,7 +1496,7 @@
     </p:spTree>
     <p:extLst>
       <p:ext uri="{BB962C8B-B14F-4D97-AF65-F5344CB8AC3E}">
-        <p14:creationId xmlns:p14="http://schemas.microsoft.com/office/powerpoint/2010/main" val="3880102556"/>
+        <p14:creationId xmlns:p14="http://schemas.microsoft.com/office/powerpoint/2010/main" val="745844164"/>
       </p:ext>
     </p:extLst>
   </p:cSld>
@@ -1549,6 +1550,94 @@
           <a:bodyPr/>
           <a:lstStyle/>
           <a:p>
+            <a:r>
+              <a:rPr lang="en-US" altLang="zh-CN" dirty="0"/>
+              <a:t>resume</a:t>
+            </a:r>
+            <a:endParaRPr lang="zh-CN" altLang="en-US" dirty="0"/>
+          </a:p>
+        </p:txBody>
+      </p:sp>
+      <p:sp>
+        <p:nvSpPr>
+          <p:cNvPr id="4" name="灯片编号占位符 3"/>
+          <p:cNvSpPr>
+            <a:spLocks noGrp="1"/>
+          </p:cNvSpPr>
+          <p:nvPr>
+            <p:ph type="sldNum" sz="quarter" idx="10"/>
+          </p:nvPr>
+        </p:nvSpPr>
+        <p:spPr/>
+        <p:txBody>
+          <a:bodyPr/>
+          <a:lstStyle/>
+          <a:p>
+            <a:fld id="{0C1F1DD4-9E55-4662-8770-743E8CF9A43E}" type="slidenum">
+              <a:rPr lang="zh-CN" altLang="en-US" smtClean="0"/>
+              <a:t>27</a:t>
+            </a:fld>
+            <a:endParaRPr lang="zh-CN" altLang="en-US"/>
+          </a:p>
+        </p:txBody>
+      </p:sp>
+    </p:spTree>
+    <p:extLst>
+      <p:ext uri="{BB962C8B-B14F-4D97-AF65-F5344CB8AC3E}">
+        <p14:creationId xmlns:p14="http://schemas.microsoft.com/office/powerpoint/2010/main" val="3880102556"/>
+      </p:ext>
+    </p:extLst>
+  </p:cSld>
+  <p:clrMapOvr>
+    <a:masterClrMapping/>
+  </p:clrMapOvr>
+</p:notes>
+</file>
+
+<file path=ppt/notesSlides/notesSlide9.xml><?xml version="1.0" encoding="utf-8"?>
+<p:notes xmlns:a="http://schemas.openxmlformats.org/drawingml/2006/main" xmlns:r="http://schemas.openxmlformats.org/officeDocument/2006/relationships" xmlns:p="http://schemas.openxmlformats.org/presentationml/2006/main">
+  <p:cSld>
+    <p:spTree>
+      <p:nvGrpSpPr>
+        <p:cNvPr id="1" name=""/>
+        <p:cNvGrpSpPr/>
+        <p:nvPr/>
+      </p:nvGrpSpPr>
+      <p:grpSpPr>
+        <a:xfrm>
+          <a:off x="0" y="0"/>
+          <a:ext cx="0" cy="0"/>
+          <a:chOff x="0" y="0"/>
+          <a:chExt cx="0" cy="0"/>
+        </a:xfrm>
+      </p:grpSpPr>
+      <p:sp>
+        <p:nvSpPr>
+          <p:cNvPr id="2" name="幻灯片图像占位符 1"/>
+          <p:cNvSpPr>
+            <a:spLocks noGrp="1" noRot="1" noChangeAspect="1"/>
+          </p:cNvSpPr>
+          <p:nvPr>
+            <p:ph type="sldImg"/>
+          </p:nvPr>
+        </p:nvSpPr>
+        <p:spPr/>
+      </p:sp>
+      <p:sp>
+        <p:nvSpPr>
+          <p:cNvPr id="3" name="备注占位符 2"/>
+          <p:cNvSpPr>
+            <a:spLocks noGrp="1"/>
+          </p:cNvSpPr>
+          <p:nvPr>
+            <p:ph type="body" idx="1"/>
+          </p:nvPr>
+        </p:nvSpPr>
+        <p:spPr/>
+        <p:txBody>
+          <a:bodyPr/>
+          <a:lstStyle/>
+          <a:p>
             <a:endParaRPr lang="zh-CN" altLang="en-US" dirty="0"/>
           </a:p>
         </p:txBody>
@@ -1623,7 +1712,7 @@
           <a:p>
             <a:fld id="{530820CF-B880-4189-942D-D702A7CBA730}" type="datetimeFigureOut">
               <a:rPr lang="zh-CN" altLang="en-US" smtClean="0"/>
-              <a:t>2020/10/22</a:t>
+              <a:t>2020/10/23</a:t>
             </a:fld>
             <a:endParaRPr lang="zh-CN" altLang="en-US"/>
           </a:p>
@@ -4242,7 +4331,7 @@
           <a:p>
             <a:fld id="{530820CF-B880-4189-942D-D702A7CBA730}" type="datetimeFigureOut">
               <a:rPr lang="zh-CN" altLang="en-US" smtClean="0"/>
-              <a:t>2020/10/22</a:t>
+              <a:t>2020/10/23</a:t>
             </a:fld>
             <a:endParaRPr lang="zh-CN" altLang="en-US"/>
           </a:p>
@@ -6111,7 +6200,7 @@
           <a:p>
             <a:fld id="{530820CF-B880-4189-942D-D702A7CBA730}" type="datetimeFigureOut">
               <a:rPr lang="zh-CN" altLang="en-US" smtClean="0"/>
-              <a:t>2020/10/22</a:t>
+              <a:t>2020/10/23</a:t>
             </a:fld>
             <a:endParaRPr lang="zh-CN" altLang="en-US"/>
           </a:p>
@@ -8171,127 +8260,6 @@
 </file>
 
 <file path=ppt/slides/slide13.xml><?xml version="1.0" encoding="utf-8"?>
-<p:sld xmlns:a="http://schemas.openxmlformats.org/drawingml/2006/main" xmlns:r="http://schemas.openxmlformats.org/officeDocument/2006/relationships" xmlns:p="http://schemas.openxmlformats.org/presentationml/2006/main">
-  <p:cSld>
-    <p:spTree>
-      <p:nvGrpSpPr>
-        <p:cNvPr id="1" name=""/>
-        <p:cNvGrpSpPr/>
-        <p:nvPr/>
-      </p:nvGrpSpPr>
-      <p:grpSpPr>
-        <a:xfrm>
-          <a:off x="0" y="0"/>
-          <a:ext cx="0" cy="0"/>
-          <a:chOff x="0" y="0"/>
-          <a:chExt cx="0" cy="0"/>
-        </a:xfrm>
-      </p:grpSpPr>
-      <p:sp>
-        <p:nvSpPr>
-          <p:cNvPr id="2" name="标题 1"/>
-          <p:cNvSpPr>
-            <a:spLocks noGrp="1"/>
-          </p:cNvSpPr>
-          <p:nvPr>
-            <p:ph type="title"/>
-          </p:nvPr>
-        </p:nvSpPr>
-        <p:spPr/>
-        <p:txBody>
-          <a:bodyPr>
-            <a:normAutofit fontScale="90000"/>
-          </a:bodyPr>
-          <a:lstStyle/>
-          <a:p>
-            <a:pPr>
-              <a:defRPr/>
-            </a:pPr>
-            <a:r>
-              <a:rPr lang="zh-CN" altLang="en-US" dirty="0">
-                <a:latin typeface="+mn-ea"/>
-                <a:ea typeface="+mn-ea"/>
-              </a:rPr>
-              <a:t>实例</a:t>
-            </a:r>
-          </a:p>
-        </p:txBody>
-      </p:sp>
-      <p:sp>
-        <p:nvSpPr>
-          <p:cNvPr id="2053" name="Rectangle 2"/>
-          <p:cNvSpPr>
-            <a:spLocks noChangeArrowheads="1"/>
-          </p:cNvSpPr>
-          <p:nvPr/>
-        </p:nvSpPr>
-        <p:spPr bwMode="auto">
-          <a:xfrm>
-            <a:off x="1143001" y="-150041"/>
-            <a:ext cx="184731" cy="300082"/>
-          </a:xfrm>
-          <a:prstGeom prst="rect">
-            <a:avLst/>
-          </a:prstGeom>
-          <a:noFill/>
-          <a:ln>
-            <a:noFill/>
-          </a:ln>
-          <a:extLst>
-            <a:ext uri="{909E8E84-426E-40DD-AFC4-6F175D3DCCD1}">
-              <a14:hiddenFill xmlns:a14="http://schemas.microsoft.com/office/drawing/2010/main">
-                <a:solidFill>
-                  <a:srgbClr val="FFFFFF"/>
-                </a:solidFill>
-              </a14:hiddenFill>
-            </a:ext>
-            <a:ext uri="{91240B29-F687-4F45-9708-019B960494DF}">
-              <a14:hiddenLine xmlns:a14="http://schemas.microsoft.com/office/drawing/2010/main" w="9525" algn="ctr">
-                <a:solidFill>
-                  <a:srgbClr val="000000"/>
-                </a:solidFill>
-                <a:miter lim="800000"/>
-                <a:headEnd/>
-                <a:tailEnd/>
-              </a14:hiddenLine>
-            </a:ext>
-          </a:extLst>
-        </p:spPr>
-        <p:txBody>
-          <a:bodyPr wrap="none" anchor="ctr">
-            <a:spAutoFit/>
-          </a:bodyPr>
-          <a:lstStyle/>
-          <a:p>
-            <a:pPr>
-              <a:spcBef>
-                <a:spcPct val="20000"/>
-              </a:spcBef>
-              <a:buClr>
-                <a:schemeClr val="accent2"/>
-              </a:buClr>
-              <a:buSzPct val="70000"/>
-              <a:buFont typeface="Wingdings" pitchFamily="2" charset="2"/>
-              <a:buNone/>
-            </a:pPr>
-            <a:endParaRPr lang="zh-CN" altLang="en-US" sz="1350"/>
-          </a:p>
-        </p:txBody>
-      </p:sp>
-    </p:spTree>
-    <p:extLst>
-      <p:ext uri="{BB962C8B-B14F-4D97-AF65-F5344CB8AC3E}">
-        <p14:creationId xmlns:p14="http://schemas.microsoft.com/office/powerpoint/2010/main" val="1463166077"/>
-      </p:ext>
-    </p:extLst>
-  </p:cSld>
-  <p:clrMapOvr>
-    <a:masterClrMapping/>
-  </p:clrMapOvr>
-</p:sld>
-</file>
-
-<file path=ppt/slides/slide14.xml><?xml version="1.0" encoding="utf-8"?>
 <p:sld xmlns:a="http://schemas.openxmlformats.org/drawingml/2006/main" xmlns:r="http://schemas.openxmlformats.org/officeDocument/2006/relationships" xmlns:p="http://schemas.openxmlformats.org/presentationml/2006/main">
   <p:cSld>
     <p:spTree>
@@ -8891,7 +8859,7 @@
 </p:sld>
 </file>
 
-<file path=ppt/slides/slide15.xml><?xml version="1.0" encoding="utf-8"?>
+<file path=ppt/slides/slide14.xml><?xml version="1.0" encoding="utf-8"?>
 <p:sld xmlns:a="http://schemas.openxmlformats.org/drawingml/2006/main" xmlns:r="http://schemas.openxmlformats.org/officeDocument/2006/relationships" xmlns:p="http://schemas.openxmlformats.org/presentationml/2006/main">
   <p:cSld>
     <p:spTree>
@@ -9512,7 +9480,7 @@
 </p:sld>
 </file>
 
-<file path=ppt/slides/slide16.xml><?xml version="1.0" encoding="utf-8"?>
+<file path=ppt/slides/slide15.xml><?xml version="1.0" encoding="utf-8"?>
 <p:sld xmlns:a="http://schemas.openxmlformats.org/drawingml/2006/main" xmlns:r="http://schemas.openxmlformats.org/officeDocument/2006/relationships" xmlns:p="http://schemas.openxmlformats.org/presentationml/2006/main">
   <p:cSld>
     <p:spTree>
@@ -10472,7 +10440,7 @@
 </p:sld>
 </file>
 
-<file path=ppt/slides/slide17.xml><?xml version="1.0" encoding="utf-8"?>
+<file path=ppt/slides/slide16.xml><?xml version="1.0" encoding="utf-8"?>
 <p:sld xmlns:a="http://schemas.openxmlformats.org/drawingml/2006/main" xmlns:r="http://schemas.openxmlformats.org/officeDocument/2006/relationships" xmlns:p="http://schemas.openxmlformats.org/presentationml/2006/main">
   <p:cSld>
     <p:spTree>
@@ -10752,7 +10720,7 @@
 </p:sld>
 </file>
 
-<file path=ppt/slides/slide18.xml><?xml version="1.0" encoding="utf-8"?>
+<file path=ppt/slides/slide17.xml><?xml version="1.0" encoding="utf-8"?>
 <p:sld xmlns:a="http://schemas.openxmlformats.org/drawingml/2006/main" xmlns:r="http://schemas.openxmlformats.org/officeDocument/2006/relationships" xmlns:p="http://schemas.openxmlformats.org/presentationml/2006/main">
   <p:cSld>
     <p:spTree>
@@ -11871,7 +11839,7 @@
 </p:sld>
 </file>
 
-<file path=ppt/slides/slide19.xml><?xml version="1.0" encoding="utf-8"?>
+<file path=ppt/slides/slide18.xml><?xml version="1.0" encoding="utf-8"?>
 <p:sld xmlns:a="http://schemas.openxmlformats.org/drawingml/2006/main" xmlns:r="http://schemas.openxmlformats.org/officeDocument/2006/relationships" xmlns:p="http://schemas.openxmlformats.org/presentationml/2006/main">
   <p:cSld>
     <p:spTree>
@@ -12117,6 +12085,576 @@
     <p:extLst>
       <p:ext uri="{BB962C8B-B14F-4D97-AF65-F5344CB8AC3E}">
         <p14:creationId xmlns:p14="http://schemas.microsoft.com/office/powerpoint/2010/main" val="771390665"/>
+      </p:ext>
+    </p:extLst>
+  </p:cSld>
+  <p:clrMapOvr>
+    <a:masterClrMapping/>
+  </p:clrMapOvr>
+</p:sld>
+</file>
+
+<file path=ppt/slides/slide19.xml><?xml version="1.0" encoding="utf-8"?>
+<p:sld xmlns:a="http://schemas.openxmlformats.org/drawingml/2006/main" xmlns:r="http://schemas.openxmlformats.org/officeDocument/2006/relationships" xmlns:p="http://schemas.openxmlformats.org/presentationml/2006/main">
+  <p:cSld>
+    <p:spTree>
+      <p:nvGrpSpPr>
+        <p:cNvPr id="1" name=""/>
+        <p:cNvGrpSpPr/>
+        <p:nvPr/>
+      </p:nvGrpSpPr>
+      <p:grpSpPr>
+        <a:xfrm>
+          <a:off x="0" y="0"/>
+          <a:ext cx="0" cy="0"/>
+          <a:chOff x="0" y="0"/>
+          <a:chExt cx="0" cy="0"/>
+        </a:xfrm>
+      </p:grpSpPr>
+      <p:sp>
+        <p:nvSpPr>
+          <p:cNvPr id="2" name="标题 1"/>
+          <p:cNvSpPr>
+            <a:spLocks noGrp="1"/>
+          </p:cNvSpPr>
+          <p:nvPr>
+            <p:ph type="title"/>
+          </p:nvPr>
+        </p:nvSpPr>
+        <p:spPr/>
+        <p:txBody>
+          <a:bodyPr>
+            <a:noAutofit/>
+          </a:bodyPr>
+          <a:lstStyle/>
+          <a:p>
+            <a:r>
+              <a:rPr lang="en-US" altLang="zh-CN" sz="3600" dirty="0">
+                <a:latin typeface="+mn-ea"/>
+                <a:ea typeface="+mn-ea"/>
+              </a:rPr>
+              <a:t>Activity</a:t>
+            </a:r>
+            <a:r>
+              <a:rPr lang="zh-CN" altLang="en-US" sz="3600" dirty="0">
+                <a:latin typeface="+mn-ea"/>
+                <a:ea typeface="+mn-ea"/>
+              </a:rPr>
+              <a:t>跳转（携带数据）</a:t>
+            </a:r>
+          </a:p>
+        </p:txBody>
+      </p:sp>
+      <p:sp>
+        <p:nvSpPr>
+          <p:cNvPr id="3" name="内容占位符 2"/>
+          <p:cNvSpPr>
+            <a:spLocks noGrp="1"/>
+          </p:cNvSpPr>
+          <p:nvPr>
+            <p:ph idx="1"/>
+          </p:nvPr>
+        </p:nvSpPr>
+        <p:spPr>
+          <a:xfrm>
+            <a:off x="629562" y="1113588"/>
+            <a:ext cx="8100900" cy="3780420"/>
+          </a:xfrm>
+        </p:spPr>
+        <p:txBody>
+          <a:bodyPr>
+            <a:normAutofit/>
+          </a:bodyPr>
+          <a:lstStyle/>
+          <a:p>
+            <a:pPr marL="0" indent="-300038">
+              <a:spcAft>
+                <a:spcPts val="450"/>
+              </a:spcAft>
+            </a:pPr>
+            <a:r>
+              <a:rPr lang="zh-CN" altLang="en-US" sz="2400" dirty="0">
+                <a:solidFill>
+                  <a:schemeClr val="tx1">
+                    <a:lumMod val="85000"/>
+                    <a:lumOff val="15000"/>
+                  </a:schemeClr>
+                </a:solidFill>
+                <a:latin typeface="+mn-ea"/>
+                <a:ea typeface="+mn-ea"/>
+              </a:rPr>
+              <a:t>发送请求的</a:t>
+            </a:r>
+            <a:r>
+              <a:rPr lang="en-US" altLang="zh-CN" sz="2400" dirty="0">
+                <a:solidFill>
+                  <a:schemeClr val="tx1">
+                    <a:lumMod val="85000"/>
+                    <a:lumOff val="15000"/>
+                  </a:schemeClr>
+                </a:solidFill>
+                <a:latin typeface="+mn-ea"/>
+                <a:ea typeface="+mn-ea"/>
+              </a:rPr>
+              <a:t>Activity</a:t>
+            </a:r>
+            <a:r>
+              <a:rPr lang="zh-CN" altLang="en-US" sz="2400" dirty="0">
+                <a:solidFill>
+                  <a:schemeClr val="tx1">
+                    <a:lumMod val="85000"/>
+                    <a:lumOff val="15000"/>
+                  </a:schemeClr>
+                </a:solidFill>
+                <a:latin typeface="+mn-ea"/>
+                <a:ea typeface="+mn-ea"/>
+              </a:rPr>
+              <a:t>页面</a:t>
+            </a:r>
+            <a:endParaRPr lang="en-US" altLang="zh-CN" sz="2400" dirty="0">
+              <a:solidFill>
+                <a:schemeClr val="tx1">
+                  <a:lumMod val="85000"/>
+                  <a:lumOff val="15000"/>
+                </a:schemeClr>
+              </a:solidFill>
+              <a:latin typeface="+mn-ea"/>
+              <a:ea typeface="+mn-ea"/>
+            </a:endParaRPr>
+          </a:p>
+          <a:p>
+            <a:pPr marL="685800" lvl="2" indent="-385763">
+              <a:spcBef>
+                <a:spcPts val="450"/>
+              </a:spcBef>
+              <a:spcAft>
+                <a:spcPts val="450"/>
+              </a:spcAft>
+              <a:buFont typeface="+mj-lt"/>
+              <a:buAutoNum type="arabicPeriod" startAt="3"/>
+            </a:pPr>
+            <a:r>
+              <a:rPr lang="zh-CN" altLang="en-US" sz="2100" dirty="0">
+                <a:solidFill>
+                  <a:schemeClr val="tx1">
+                    <a:lumMod val="85000"/>
+                    <a:lumOff val="15000"/>
+                  </a:schemeClr>
+                </a:solidFill>
+                <a:latin typeface="+mn-ea"/>
+                <a:ea typeface="+mn-ea"/>
+              </a:rPr>
+              <a:t>携带数据（可选）：</a:t>
+            </a:r>
+            <a:endParaRPr lang="en-US" altLang="zh-CN" sz="2100" dirty="0">
+              <a:solidFill>
+                <a:schemeClr val="tx1">
+                  <a:lumMod val="85000"/>
+                  <a:lumOff val="15000"/>
+                </a:schemeClr>
+              </a:solidFill>
+              <a:latin typeface="+mn-ea"/>
+              <a:ea typeface="+mn-ea"/>
+            </a:endParaRPr>
+          </a:p>
+          <a:p>
+            <a:pPr marL="942975" lvl="3" indent="-300038">
+              <a:spcBef>
+                <a:spcPts val="450"/>
+              </a:spcBef>
+              <a:spcAft>
+                <a:spcPts val="450"/>
+              </a:spcAft>
+            </a:pPr>
+            <a:r>
+              <a:rPr lang="zh-CN" altLang="en-US" sz="2100" dirty="0">
+                <a:solidFill>
+                  <a:schemeClr val="tx1">
+                    <a:lumMod val="85000"/>
+                    <a:lumOff val="15000"/>
+                  </a:schemeClr>
+                </a:solidFill>
+                <a:latin typeface="+mn-ea"/>
+                <a:ea typeface="+mn-ea"/>
+              </a:rPr>
+              <a:t>创建复杂数据对象：借助</a:t>
+            </a:r>
+            <a:r>
+              <a:rPr lang="en-US" altLang="zh-CN" sz="2100" dirty="0">
+                <a:solidFill>
+                  <a:schemeClr val="tx1">
+                    <a:lumMod val="85000"/>
+                    <a:lumOff val="15000"/>
+                  </a:schemeClr>
+                </a:solidFill>
+                <a:latin typeface="+mn-ea"/>
+                <a:ea typeface="+mn-ea"/>
+              </a:rPr>
+              <a:t>Bundle</a:t>
+            </a:r>
+            <a:r>
+              <a:rPr lang="zh-CN" altLang="en-US" sz="2100" dirty="0">
+                <a:solidFill>
+                  <a:schemeClr val="tx1">
+                    <a:lumMod val="85000"/>
+                    <a:lumOff val="15000"/>
+                  </a:schemeClr>
+                </a:solidFill>
+                <a:latin typeface="+mn-ea"/>
+                <a:ea typeface="+mn-ea"/>
+              </a:rPr>
+              <a:t>对象实现</a:t>
+            </a:r>
+            <a:endParaRPr lang="en-US" altLang="zh-CN" sz="2100" dirty="0">
+              <a:solidFill>
+                <a:schemeClr val="tx1">
+                  <a:lumMod val="85000"/>
+                  <a:lumOff val="15000"/>
+                </a:schemeClr>
+              </a:solidFill>
+              <a:latin typeface="+mn-ea"/>
+              <a:ea typeface="+mn-ea"/>
+            </a:endParaRPr>
+          </a:p>
+          <a:p>
+            <a:pPr marL="1285875" lvl="4" indent="-300038">
+              <a:spcBef>
+                <a:spcPts val="450"/>
+              </a:spcBef>
+              <a:spcAft>
+                <a:spcPts val="450"/>
+              </a:spcAft>
+            </a:pPr>
+            <a:r>
+              <a:rPr lang="zh-CN" altLang="en-US" sz="2100" dirty="0">
+                <a:solidFill>
+                  <a:schemeClr val="tx1">
+                    <a:lumMod val="85000"/>
+                    <a:lumOff val="15000"/>
+                  </a:schemeClr>
+                </a:solidFill>
+                <a:latin typeface="+mn-ea"/>
+                <a:ea typeface="+mn-ea"/>
+              </a:rPr>
+              <a:t>创建</a:t>
+            </a:r>
+            <a:r>
+              <a:rPr lang="en-US" altLang="zh-CN" sz="2100" dirty="0">
+                <a:solidFill>
+                  <a:schemeClr val="tx1">
+                    <a:lumMod val="85000"/>
+                    <a:lumOff val="15000"/>
+                  </a:schemeClr>
+                </a:solidFill>
+                <a:latin typeface="+mn-ea"/>
+                <a:ea typeface="+mn-ea"/>
+              </a:rPr>
+              <a:t>Bundle</a:t>
+            </a:r>
+            <a:r>
+              <a:rPr lang="zh-CN" altLang="en-US" sz="2100" dirty="0">
+                <a:solidFill>
+                  <a:schemeClr val="tx1">
+                    <a:lumMod val="85000"/>
+                    <a:lumOff val="15000"/>
+                  </a:schemeClr>
+                </a:solidFill>
+                <a:latin typeface="+mn-ea"/>
+                <a:ea typeface="+mn-ea"/>
+              </a:rPr>
+              <a:t>对象：</a:t>
+            </a:r>
+            <a:r>
+              <a:rPr lang="en-US" altLang="zh-CN" sz="2100" dirty="0">
+                <a:solidFill>
+                  <a:srgbClr val="C00000"/>
+                </a:solidFill>
+                <a:latin typeface="+mn-ea"/>
+                <a:ea typeface="+mn-ea"/>
+              </a:rPr>
+              <a:t>Bundle b = new Bundle( );</a:t>
+            </a:r>
+          </a:p>
+          <a:p>
+            <a:pPr marL="1285875" lvl="4" indent="-300038">
+              <a:spcBef>
+                <a:spcPts val="450"/>
+              </a:spcBef>
+              <a:spcAft>
+                <a:spcPts val="450"/>
+              </a:spcAft>
+            </a:pPr>
+            <a:r>
+              <a:rPr lang="zh-CN" altLang="en-US" sz="2100" dirty="0">
+                <a:solidFill>
+                  <a:schemeClr val="tx1">
+                    <a:lumMod val="85000"/>
+                    <a:lumOff val="15000"/>
+                  </a:schemeClr>
+                </a:solidFill>
+                <a:latin typeface="+mn-ea"/>
+                <a:ea typeface="+mn-ea"/>
+              </a:rPr>
+              <a:t>为</a:t>
+            </a:r>
+            <a:r>
+              <a:rPr lang="en-US" altLang="zh-CN" sz="2100" dirty="0">
+                <a:solidFill>
+                  <a:schemeClr val="tx1">
+                    <a:lumMod val="85000"/>
+                    <a:lumOff val="15000"/>
+                  </a:schemeClr>
+                </a:solidFill>
+                <a:latin typeface="+mn-ea"/>
+                <a:ea typeface="+mn-ea"/>
+              </a:rPr>
+              <a:t>Bundle</a:t>
+            </a:r>
+            <a:r>
+              <a:rPr lang="zh-CN" altLang="en-US" sz="2100" dirty="0">
+                <a:solidFill>
+                  <a:schemeClr val="tx1">
+                    <a:lumMod val="85000"/>
+                    <a:lumOff val="15000"/>
+                  </a:schemeClr>
+                </a:solidFill>
+                <a:latin typeface="+mn-ea"/>
+                <a:ea typeface="+mn-ea"/>
+              </a:rPr>
+              <a:t>对象添加数据：</a:t>
+            </a:r>
+            <a:r>
+              <a:rPr lang="en-US" altLang="zh-CN" sz="2100" dirty="0" err="1">
+                <a:solidFill>
+                  <a:srgbClr val="C00000"/>
+                </a:solidFill>
+                <a:latin typeface="+mn-ea"/>
+                <a:ea typeface="+mn-ea"/>
+              </a:rPr>
+              <a:t>b.putString</a:t>
+            </a:r>
+            <a:r>
+              <a:rPr lang="en-US" altLang="zh-CN" sz="2100" dirty="0">
+                <a:solidFill>
+                  <a:srgbClr val="C00000"/>
+                </a:solidFill>
+                <a:latin typeface="+mn-ea"/>
+                <a:ea typeface="+mn-ea"/>
+              </a:rPr>
+              <a:t>( );</a:t>
+            </a:r>
+            <a:r>
+              <a:rPr lang="zh-CN" altLang="en-US" sz="2100" dirty="0">
+                <a:solidFill>
+                  <a:schemeClr val="tx1">
+                    <a:lumMod val="85000"/>
+                    <a:lumOff val="15000"/>
+                  </a:schemeClr>
+                </a:solidFill>
+                <a:latin typeface="+mn-ea"/>
+                <a:ea typeface="+mn-ea"/>
+              </a:rPr>
+              <a:t>、</a:t>
+            </a:r>
+            <a:r>
+              <a:rPr lang="en-US" altLang="zh-CN" sz="2100" dirty="0" err="1">
+                <a:solidFill>
+                  <a:srgbClr val="C00000"/>
+                </a:solidFill>
+                <a:latin typeface="+mn-ea"/>
+                <a:ea typeface="+mn-ea"/>
+              </a:rPr>
+              <a:t>b.putSerializable</a:t>
+            </a:r>
+            <a:r>
+              <a:rPr lang="en-US" altLang="zh-CN" sz="2100" dirty="0">
+                <a:solidFill>
+                  <a:srgbClr val="C00000"/>
+                </a:solidFill>
+                <a:latin typeface="+mn-ea"/>
+                <a:ea typeface="+mn-ea"/>
+              </a:rPr>
+              <a:t>( );</a:t>
+            </a:r>
+            <a:r>
+              <a:rPr lang="zh-CN" altLang="en-US" sz="2100" dirty="0">
+                <a:solidFill>
+                  <a:schemeClr val="tx1">
+                    <a:lumMod val="85000"/>
+                    <a:lumOff val="15000"/>
+                  </a:schemeClr>
+                </a:solidFill>
+                <a:latin typeface="+mn-ea"/>
+                <a:ea typeface="+mn-ea"/>
+              </a:rPr>
+              <a:t>、</a:t>
+            </a:r>
+            <a:r>
+              <a:rPr lang="en-US" altLang="zh-CN" sz="2100" dirty="0">
+                <a:solidFill>
+                  <a:schemeClr val="tx1">
+                    <a:lumMod val="85000"/>
+                    <a:lumOff val="15000"/>
+                  </a:schemeClr>
+                </a:solidFill>
+                <a:latin typeface="+mn-ea"/>
+                <a:ea typeface="+mn-ea"/>
+              </a:rPr>
+              <a:t>……</a:t>
+            </a:r>
+          </a:p>
+          <a:p>
+            <a:pPr marL="1285875" lvl="4" indent="-300038">
+              <a:spcBef>
+                <a:spcPts val="450"/>
+              </a:spcBef>
+              <a:spcAft>
+                <a:spcPts val="450"/>
+              </a:spcAft>
+            </a:pPr>
+            <a:r>
+              <a:rPr lang="zh-CN" altLang="en-US" sz="2100" dirty="0">
+                <a:solidFill>
+                  <a:schemeClr val="tx1">
+                    <a:lumMod val="85000"/>
+                    <a:lumOff val="15000"/>
+                  </a:schemeClr>
+                </a:solidFill>
+                <a:latin typeface="+mn-ea"/>
+                <a:ea typeface="+mn-ea"/>
+              </a:rPr>
+              <a:t>把</a:t>
+            </a:r>
+            <a:r>
+              <a:rPr lang="en-US" altLang="zh-CN" sz="2100" dirty="0">
+                <a:solidFill>
+                  <a:schemeClr val="tx1">
+                    <a:lumMod val="85000"/>
+                    <a:lumOff val="15000"/>
+                  </a:schemeClr>
+                </a:solidFill>
+                <a:latin typeface="+mn-ea"/>
+                <a:ea typeface="+mn-ea"/>
+              </a:rPr>
+              <a:t>Bundle</a:t>
+            </a:r>
+            <a:r>
+              <a:rPr lang="zh-CN" altLang="en-US" sz="2100" dirty="0">
+                <a:solidFill>
+                  <a:schemeClr val="tx1">
+                    <a:lumMod val="85000"/>
+                    <a:lumOff val="15000"/>
+                  </a:schemeClr>
+                </a:solidFill>
+                <a:latin typeface="+mn-ea"/>
+                <a:ea typeface="+mn-ea"/>
+              </a:rPr>
+              <a:t>对象添加到</a:t>
+            </a:r>
+            <a:r>
+              <a:rPr lang="en-US" altLang="zh-CN" sz="2100" dirty="0">
+                <a:solidFill>
+                  <a:schemeClr val="tx1">
+                    <a:lumMod val="85000"/>
+                    <a:lumOff val="15000"/>
+                  </a:schemeClr>
+                </a:solidFill>
+                <a:latin typeface="+mn-ea"/>
+                <a:ea typeface="+mn-ea"/>
+              </a:rPr>
+              <a:t>Intent</a:t>
+            </a:r>
+            <a:r>
+              <a:rPr lang="zh-CN" altLang="en-US" sz="2100" dirty="0">
+                <a:solidFill>
+                  <a:schemeClr val="tx1">
+                    <a:lumMod val="85000"/>
+                    <a:lumOff val="15000"/>
+                  </a:schemeClr>
+                </a:solidFill>
+                <a:latin typeface="+mn-ea"/>
+                <a:ea typeface="+mn-ea"/>
+              </a:rPr>
+              <a:t>对象中：</a:t>
+            </a:r>
+            <a:r>
+              <a:rPr lang="en-US" altLang="zh-CN" sz="2100" dirty="0" err="1">
+                <a:solidFill>
+                  <a:srgbClr val="C00000"/>
+                </a:solidFill>
+                <a:latin typeface="+mn-ea"/>
+                <a:ea typeface="+mn-ea"/>
+              </a:rPr>
+              <a:t>i.putExtra</a:t>
+            </a:r>
+            <a:r>
+              <a:rPr lang="en-US" altLang="zh-CN" sz="2100" dirty="0">
+                <a:solidFill>
+                  <a:srgbClr val="C00000"/>
+                </a:solidFill>
+                <a:latin typeface="+mn-ea"/>
+                <a:ea typeface="+mn-ea"/>
+              </a:rPr>
+              <a:t>(Bundle</a:t>
+            </a:r>
+            <a:r>
+              <a:rPr lang="zh-CN" altLang="en-US" sz="2100" dirty="0">
+                <a:solidFill>
+                  <a:srgbClr val="C00000"/>
+                </a:solidFill>
+                <a:latin typeface="+mn-ea"/>
+                <a:ea typeface="+mn-ea"/>
+              </a:rPr>
+              <a:t>对象</a:t>
+            </a:r>
+            <a:r>
+              <a:rPr lang="en-US" altLang="zh-CN" sz="2100" dirty="0">
+                <a:solidFill>
+                  <a:srgbClr val="C00000"/>
+                </a:solidFill>
+                <a:latin typeface="+mn-ea"/>
+                <a:ea typeface="+mn-ea"/>
+              </a:rPr>
+              <a:t>);</a:t>
+            </a:r>
+          </a:p>
+          <a:p>
+            <a:pPr marL="642938" lvl="3" indent="0">
+              <a:spcBef>
+                <a:spcPts val="450"/>
+              </a:spcBef>
+              <a:spcAft>
+                <a:spcPts val="450"/>
+              </a:spcAft>
+              <a:buNone/>
+            </a:pPr>
+            <a:r>
+              <a:rPr lang="en-US" altLang="zh-CN" sz="1800" dirty="0">
+                <a:solidFill>
+                  <a:schemeClr val="tx1">
+                    <a:lumMod val="85000"/>
+                    <a:lumOff val="15000"/>
+                  </a:schemeClr>
+                </a:solidFill>
+                <a:hlinkClick r:id="rId2"/>
+              </a:rPr>
+              <a:t>http://developer.android.com/reference/android/os/Bundle.html</a:t>
+            </a:r>
+            <a:endParaRPr lang="en-US" altLang="zh-CN" sz="1800" dirty="0">
+              <a:solidFill>
+                <a:schemeClr val="tx1">
+                  <a:lumMod val="85000"/>
+                  <a:lumOff val="15000"/>
+                </a:schemeClr>
+              </a:solidFill>
+            </a:endParaRPr>
+          </a:p>
+        </p:txBody>
+      </p:sp>
+    </p:spTree>
+    <p:extLst>
+      <p:ext uri="{BB962C8B-B14F-4D97-AF65-F5344CB8AC3E}">
+        <p14:creationId xmlns:p14="http://schemas.microsoft.com/office/powerpoint/2010/main" val="3976255217"/>
       </p:ext>
     </p:extLst>
   </p:cSld>
@@ -12297,576 +12835,6 @@
 </file>
 
 <file path=ppt/slides/slide20.xml><?xml version="1.0" encoding="utf-8"?>
-<p:sld xmlns:a="http://schemas.openxmlformats.org/drawingml/2006/main" xmlns:r="http://schemas.openxmlformats.org/officeDocument/2006/relationships" xmlns:p="http://schemas.openxmlformats.org/presentationml/2006/main">
-  <p:cSld>
-    <p:spTree>
-      <p:nvGrpSpPr>
-        <p:cNvPr id="1" name=""/>
-        <p:cNvGrpSpPr/>
-        <p:nvPr/>
-      </p:nvGrpSpPr>
-      <p:grpSpPr>
-        <a:xfrm>
-          <a:off x="0" y="0"/>
-          <a:ext cx="0" cy="0"/>
-          <a:chOff x="0" y="0"/>
-          <a:chExt cx="0" cy="0"/>
-        </a:xfrm>
-      </p:grpSpPr>
-      <p:sp>
-        <p:nvSpPr>
-          <p:cNvPr id="2" name="标题 1"/>
-          <p:cNvSpPr>
-            <a:spLocks noGrp="1"/>
-          </p:cNvSpPr>
-          <p:nvPr>
-            <p:ph type="title"/>
-          </p:nvPr>
-        </p:nvSpPr>
-        <p:spPr/>
-        <p:txBody>
-          <a:bodyPr>
-            <a:noAutofit/>
-          </a:bodyPr>
-          <a:lstStyle/>
-          <a:p>
-            <a:r>
-              <a:rPr lang="en-US" altLang="zh-CN" sz="3600" dirty="0">
-                <a:latin typeface="+mn-ea"/>
-                <a:ea typeface="+mn-ea"/>
-              </a:rPr>
-              <a:t>Activity</a:t>
-            </a:r>
-            <a:r>
-              <a:rPr lang="zh-CN" altLang="en-US" sz="3600" dirty="0">
-                <a:latin typeface="+mn-ea"/>
-                <a:ea typeface="+mn-ea"/>
-              </a:rPr>
-              <a:t>跳转（携带数据）</a:t>
-            </a:r>
-          </a:p>
-        </p:txBody>
-      </p:sp>
-      <p:sp>
-        <p:nvSpPr>
-          <p:cNvPr id="3" name="内容占位符 2"/>
-          <p:cNvSpPr>
-            <a:spLocks noGrp="1"/>
-          </p:cNvSpPr>
-          <p:nvPr>
-            <p:ph idx="1"/>
-          </p:nvPr>
-        </p:nvSpPr>
-        <p:spPr>
-          <a:xfrm>
-            <a:off x="629562" y="1113588"/>
-            <a:ext cx="8100900" cy="3780420"/>
-          </a:xfrm>
-        </p:spPr>
-        <p:txBody>
-          <a:bodyPr>
-            <a:normAutofit/>
-          </a:bodyPr>
-          <a:lstStyle/>
-          <a:p>
-            <a:pPr marL="0" indent="-300038">
-              <a:spcAft>
-                <a:spcPts val="450"/>
-              </a:spcAft>
-            </a:pPr>
-            <a:r>
-              <a:rPr lang="zh-CN" altLang="en-US" sz="2400" dirty="0">
-                <a:solidFill>
-                  <a:schemeClr val="tx1">
-                    <a:lumMod val="85000"/>
-                    <a:lumOff val="15000"/>
-                  </a:schemeClr>
-                </a:solidFill>
-                <a:latin typeface="+mn-ea"/>
-                <a:ea typeface="+mn-ea"/>
-              </a:rPr>
-              <a:t>发送请求的</a:t>
-            </a:r>
-            <a:r>
-              <a:rPr lang="en-US" altLang="zh-CN" sz="2400" dirty="0">
-                <a:solidFill>
-                  <a:schemeClr val="tx1">
-                    <a:lumMod val="85000"/>
-                    <a:lumOff val="15000"/>
-                  </a:schemeClr>
-                </a:solidFill>
-                <a:latin typeface="+mn-ea"/>
-                <a:ea typeface="+mn-ea"/>
-              </a:rPr>
-              <a:t>Activity</a:t>
-            </a:r>
-            <a:r>
-              <a:rPr lang="zh-CN" altLang="en-US" sz="2400" dirty="0">
-                <a:solidFill>
-                  <a:schemeClr val="tx1">
-                    <a:lumMod val="85000"/>
-                    <a:lumOff val="15000"/>
-                  </a:schemeClr>
-                </a:solidFill>
-                <a:latin typeface="+mn-ea"/>
-                <a:ea typeface="+mn-ea"/>
-              </a:rPr>
-              <a:t>页面</a:t>
-            </a:r>
-            <a:endParaRPr lang="en-US" altLang="zh-CN" sz="2400" dirty="0">
-              <a:solidFill>
-                <a:schemeClr val="tx1">
-                  <a:lumMod val="85000"/>
-                  <a:lumOff val="15000"/>
-                </a:schemeClr>
-              </a:solidFill>
-              <a:latin typeface="+mn-ea"/>
-              <a:ea typeface="+mn-ea"/>
-            </a:endParaRPr>
-          </a:p>
-          <a:p>
-            <a:pPr marL="685800" lvl="2" indent="-385763">
-              <a:spcBef>
-                <a:spcPts val="450"/>
-              </a:spcBef>
-              <a:spcAft>
-                <a:spcPts val="450"/>
-              </a:spcAft>
-              <a:buFont typeface="+mj-lt"/>
-              <a:buAutoNum type="arabicPeriod" startAt="3"/>
-            </a:pPr>
-            <a:r>
-              <a:rPr lang="zh-CN" altLang="en-US" sz="2100" dirty="0">
-                <a:solidFill>
-                  <a:schemeClr val="tx1">
-                    <a:lumMod val="85000"/>
-                    <a:lumOff val="15000"/>
-                  </a:schemeClr>
-                </a:solidFill>
-                <a:latin typeface="+mn-ea"/>
-                <a:ea typeface="+mn-ea"/>
-              </a:rPr>
-              <a:t>携带数据（可选）：</a:t>
-            </a:r>
-            <a:endParaRPr lang="en-US" altLang="zh-CN" sz="2100" dirty="0">
-              <a:solidFill>
-                <a:schemeClr val="tx1">
-                  <a:lumMod val="85000"/>
-                  <a:lumOff val="15000"/>
-                </a:schemeClr>
-              </a:solidFill>
-              <a:latin typeface="+mn-ea"/>
-              <a:ea typeface="+mn-ea"/>
-            </a:endParaRPr>
-          </a:p>
-          <a:p>
-            <a:pPr marL="942975" lvl="3" indent="-300038">
-              <a:spcBef>
-                <a:spcPts val="450"/>
-              </a:spcBef>
-              <a:spcAft>
-                <a:spcPts val="450"/>
-              </a:spcAft>
-            </a:pPr>
-            <a:r>
-              <a:rPr lang="zh-CN" altLang="en-US" sz="2100" dirty="0">
-                <a:solidFill>
-                  <a:schemeClr val="tx1">
-                    <a:lumMod val="85000"/>
-                    <a:lumOff val="15000"/>
-                  </a:schemeClr>
-                </a:solidFill>
-                <a:latin typeface="+mn-ea"/>
-                <a:ea typeface="+mn-ea"/>
-              </a:rPr>
-              <a:t>创建复杂数据对象：借助</a:t>
-            </a:r>
-            <a:r>
-              <a:rPr lang="en-US" altLang="zh-CN" sz="2100" dirty="0">
-                <a:solidFill>
-                  <a:schemeClr val="tx1">
-                    <a:lumMod val="85000"/>
-                    <a:lumOff val="15000"/>
-                  </a:schemeClr>
-                </a:solidFill>
-                <a:latin typeface="+mn-ea"/>
-                <a:ea typeface="+mn-ea"/>
-              </a:rPr>
-              <a:t>Bundle</a:t>
-            </a:r>
-            <a:r>
-              <a:rPr lang="zh-CN" altLang="en-US" sz="2100" dirty="0">
-                <a:solidFill>
-                  <a:schemeClr val="tx1">
-                    <a:lumMod val="85000"/>
-                    <a:lumOff val="15000"/>
-                  </a:schemeClr>
-                </a:solidFill>
-                <a:latin typeface="+mn-ea"/>
-                <a:ea typeface="+mn-ea"/>
-              </a:rPr>
-              <a:t>对象实现</a:t>
-            </a:r>
-            <a:endParaRPr lang="en-US" altLang="zh-CN" sz="2100" dirty="0">
-              <a:solidFill>
-                <a:schemeClr val="tx1">
-                  <a:lumMod val="85000"/>
-                  <a:lumOff val="15000"/>
-                </a:schemeClr>
-              </a:solidFill>
-              <a:latin typeface="+mn-ea"/>
-              <a:ea typeface="+mn-ea"/>
-            </a:endParaRPr>
-          </a:p>
-          <a:p>
-            <a:pPr marL="1285875" lvl="4" indent="-300038">
-              <a:spcBef>
-                <a:spcPts val="450"/>
-              </a:spcBef>
-              <a:spcAft>
-                <a:spcPts val="450"/>
-              </a:spcAft>
-            </a:pPr>
-            <a:r>
-              <a:rPr lang="zh-CN" altLang="en-US" sz="2100" dirty="0">
-                <a:solidFill>
-                  <a:schemeClr val="tx1">
-                    <a:lumMod val="85000"/>
-                    <a:lumOff val="15000"/>
-                  </a:schemeClr>
-                </a:solidFill>
-                <a:latin typeface="+mn-ea"/>
-                <a:ea typeface="+mn-ea"/>
-              </a:rPr>
-              <a:t>创建</a:t>
-            </a:r>
-            <a:r>
-              <a:rPr lang="en-US" altLang="zh-CN" sz="2100" dirty="0">
-                <a:solidFill>
-                  <a:schemeClr val="tx1">
-                    <a:lumMod val="85000"/>
-                    <a:lumOff val="15000"/>
-                  </a:schemeClr>
-                </a:solidFill>
-                <a:latin typeface="+mn-ea"/>
-                <a:ea typeface="+mn-ea"/>
-              </a:rPr>
-              <a:t>Bundle</a:t>
-            </a:r>
-            <a:r>
-              <a:rPr lang="zh-CN" altLang="en-US" sz="2100" dirty="0">
-                <a:solidFill>
-                  <a:schemeClr val="tx1">
-                    <a:lumMod val="85000"/>
-                    <a:lumOff val="15000"/>
-                  </a:schemeClr>
-                </a:solidFill>
-                <a:latin typeface="+mn-ea"/>
-                <a:ea typeface="+mn-ea"/>
-              </a:rPr>
-              <a:t>对象：</a:t>
-            </a:r>
-            <a:r>
-              <a:rPr lang="en-US" altLang="zh-CN" sz="2100" dirty="0">
-                <a:solidFill>
-                  <a:srgbClr val="C00000"/>
-                </a:solidFill>
-                <a:latin typeface="+mn-ea"/>
-                <a:ea typeface="+mn-ea"/>
-              </a:rPr>
-              <a:t>Bundle b = new Bundle( );</a:t>
-            </a:r>
-          </a:p>
-          <a:p>
-            <a:pPr marL="1285875" lvl="4" indent="-300038">
-              <a:spcBef>
-                <a:spcPts val="450"/>
-              </a:spcBef>
-              <a:spcAft>
-                <a:spcPts val="450"/>
-              </a:spcAft>
-            </a:pPr>
-            <a:r>
-              <a:rPr lang="zh-CN" altLang="en-US" sz="2100" dirty="0">
-                <a:solidFill>
-                  <a:schemeClr val="tx1">
-                    <a:lumMod val="85000"/>
-                    <a:lumOff val="15000"/>
-                  </a:schemeClr>
-                </a:solidFill>
-                <a:latin typeface="+mn-ea"/>
-                <a:ea typeface="+mn-ea"/>
-              </a:rPr>
-              <a:t>为</a:t>
-            </a:r>
-            <a:r>
-              <a:rPr lang="en-US" altLang="zh-CN" sz="2100" dirty="0">
-                <a:solidFill>
-                  <a:schemeClr val="tx1">
-                    <a:lumMod val="85000"/>
-                    <a:lumOff val="15000"/>
-                  </a:schemeClr>
-                </a:solidFill>
-                <a:latin typeface="+mn-ea"/>
-                <a:ea typeface="+mn-ea"/>
-              </a:rPr>
-              <a:t>Bundle</a:t>
-            </a:r>
-            <a:r>
-              <a:rPr lang="zh-CN" altLang="en-US" sz="2100" dirty="0">
-                <a:solidFill>
-                  <a:schemeClr val="tx1">
-                    <a:lumMod val="85000"/>
-                    <a:lumOff val="15000"/>
-                  </a:schemeClr>
-                </a:solidFill>
-                <a:latin typeface="+mn-ea"/>
-                <a:ea typeface="+mn-ea"/>
-              </a:rPr>
-              <a:t>对象添加数据：</a:t>
-            </a:r>
-            <a:r>
-              <a:rPr lang="en-US" altLang="zh-CN" sz="2100" dirty="0" err="1">
-                <a:solidFill>
-                  <a:srgbClr val="C00000"/>
-                </a:solidFill>
-                <a:latin typeface="+mn-ea"/>
-                <a:ea typeface="+mn-ea"/>
-              </a:rPr>
-              <a:t>b.putString</a:t>
-            </a:r>
-            <a:r>
-              <a:rPr lang="en-US" altLang="zh-CN" sz="2100" dirty="0">
-                <a:solidFill>
-                  <a:srgbClr val="C00000"/>
-                </a:solidFill>
-                <a:latin typeface="+mn-ea"/>
-                <a:ea typeface="+mn-ea"/>
-              </a:rPr>
-              <a:t>( );</a:t>
-            </a:r>
-            <a:r>
-              <a:rPr lang="zh-CN" altLang="en-US" sz="2100" dirty="0">
-                <a:solidFill>
-                  <a:schemeClr val="tx1">
-                    <a:lumMod val="85000"/>
-                    <a:lumOff val="15000"/>
-                  </a:schemeClr>
-                </a:solidFill>
-                <a:latin typeface="+mn-ea"/>
-                <a:ea typeface="+mn-ea"/>
-              </a:rPr>
-              <a:t>、</a:t>
-            </a:r>
-            <a:r>
-              <a:rPr lang="en-US" altLang="zh-CN" sz="2100" dirty="0" err="1">
-                <a:solidFill>
-                  <a:srgbClr val="C00000"/>
-                </a:solidFill>
-                <a:latin typeface="+mn-ea"/>
-                <a:ea typeface="+mn-ea"/>
-              </a:rPr>
-              <a:t>b.putSerializable</a:t>
-            </a:r>
-            <a:r>
-              <a:rPr lang="en-US" altLang="zh-CN" sz="2100" dirty="0">
-                <a:solidFill>
-                  <a:srgbClr val="C00000"/>
-                </a:solidFill>
-                <a:latin typeface="+mn-ea"/>
-                <a:ea typeface="+mn-ea"/>
-              </a:rPr>
-              <a:t>( );</a:t>
-            </a:r>
-            <a:r>
-              <a:rPr lang="zh-CN" altLang="en-US" sz="2100" dirty="0">
-                <a:solidFill>
-                  <a:schemeClr val="tx1">
-                    <a:lumMod val="85000"/>
-                    <a:lumOff val="15000"/>
-                  </a:schemeClr>
-                </a:solidFill>
-                <a:latin typeface="+mn-ea"/>
-                <a:ea typeface="+mn-ea"/>
-              </a:rPr>
-              <a:t>、</a:t>
-            </a:r>
-            <a:r>
-              <a:rPr lang="en-US" altLang="zh-CN" sz="2100" dirty="0">
-                <a:solidFill>
-                  <a:schemeClr val="tx1">
-                    <a:lumMod val="85000"/>
-                    <a:lumOff val="15000"/>
-                  </a:schemeClr>
-                </a:solidFill>
-                <a:latin typeface="+mn-ea"/>
-                <a:ea typeface="+mn-ea"/>
-              </a:rPr>
-              <a:t>……</a:t>
-            </a:r>
-          </a:p>
-          <a:p>
-            <a:pPr marL="1285875" lvl="4" indent="-300038">
-              <a:spcBef>
-                <a:spcPts val="450"/>
-              </a:spcBef>
-              <a:spcAft>
-                <a:spcPts val="450"/>
-              </a:spcAft>
-            </a:pPr>
-            <a:r>
-              <a:rPr lang="zh-CN" altLang="en-US" sz="2100" dirty="0">
-                <a:solidFill>
-                  <a:schemeClr val="tx1">
-                    <a:lumMod val="85000"/>
-                    <a:lumOff val="15000"/>
-                  </a:schemeClr>
-                </a:solidFill>
-                <a:latin typeface="+mn-ea"/>
-                <a:ea typeface="+mn-ea"/>
-              </a:rPr>
-              <a:t>把</a:t>
-            </a:r>
-            <a:r>
-              <a:rPr lang="en-US" altLang="zh-CN" sz="2100" dirty="0">
-                <a:solidFill>
-                  <a:schemeClr val="tx1">
-                    <a:lumMod val="85000"/>
-                    <a:lumOff val="15000"/>
-                  </a:schemeClr>
-                </a:solidFill>
-                <a:latin typeface="+mn-ea"/>
-                <a:ea typeface="+mn-ea"/>
-              </a:rPr>
-              <a:t>Bundle</a:t>
-            </a:r>
-            <a:r>
-              <a:rPr lang="zh-CN" altLang="en-US" sz="2100" dirty="0">
-                <a:solidFill>
-                  <a:schemeClr val="tx1">
-                    <a:lumMod val="85000"/>
-                    <a:lumOff val="15000"/>
-                  </a:schemeClr>
-                </a:solidFill>
-                <a:latin typeface="+mn-ea"/>
-                <a:ea typeface="+mn-ea"/>
-              </a:rPr>
-              <a:t>对象添加到</a:t>
-            </a:r>
-            <a:r>
-              <a:rPr lang="en-US" altLang="zh-CN" sz="2100" dirty="0">
-                <a:solidFill>
-                  <a:schemeClr val="tx1">
-                    <a:lumMod val="85000"/>
-                    <a:lumOff val="15000"/>
-                  </a:schemeClr>
-                </a:solidFill>
-                <a:latin typeface="+mn-ea"/>
-                <a:ea typeface="+mn-ea"/>
-              </a:rPr>
-              <a:t>Intent</a:t>
-            </a:r>
-            <a:r>
-              <a:rPr lang="zh-CN" altLang="en-US" sz="2100" dirty="0">
-                <a:solidFill>
-                  <a:schemeClr val="tx1">
-                    <a:lumMod val="85000"/>
-                    <a:lumOff val="15000"/>
-                  </a:schemeClr>
-                </a:solidFill>
-                <a:latin typeface="+mn-ea"/>
-                <a:ea typeface="+mn-ea"/>
-              </a:rPr>
-              <a:t>对象中：</a:t>
-            </a:r>
-            <a:r>
-              <a:rPr lang="en-US" altLang="zh-CN" sz="2100" dirty="0" err="1">
-                <a:solidFill>
-                  <a:srgbClr val="C00000"/>
-                </a:solidFill>
-                <a:latin typeface="+mn-ea"/>
-                <a:ea typeface="+mn-ea"/>
-              </a:rPr>
-              <a:t>i.putExtra</a:t>
-            </a:r>
-            <a:r>
-              <a:rPr lang="en-US" altLang="zh-CN" sz="2100" dirty="0">
-                <a:solidFill>
-                  <a:srgbClr val="C00000"/>
-                </a:solidFill>
-                <a:latin typeface="+mn-ea"/>
-                <a:ea typeface="+mn-ea"/>
-              </a:rPr>
-              <a:t>(Bundle</a:t>
-            </a:r>
-            <a:r>
-              <a:rPr lang="zh-CN" altLang="en-US" sz="2100" dirty="0">
-                <a:solidFill>
-                  <a:srgbClr val="C00000"/>
-                </a:solidFill>
-                <a:latin typeface="+mn-ea"/>
-                <a:ea typeface="+mn-ea"/>
-              </a:rPr>
-              <a:t>对象</a:t>
-            </a:r>
-            <a:r>
-              <a:rPr lang="en-US" altLang="zh-CN" sz="2100" dirty="0">
-                <a:solidFill>
-                  <a:srgbClr val="C00000"/>
-                </a:solidFill>
-                <a:latin typeface="+mn-ea"/>
-                <a:ea typeface="+mn-ea"/>
-              </a:rPr>
-              <a:t>);</a:t>
-            </a:r>
-          </a:p>
-          <a:p>
-            <a:pPr marL="642938" lvl="3" indent="0">
-              <a:spcBef>
-                <a:spcPts val="450"/>
-              </a:spcBef>
-              <a:spcAft>
-                <a:spcPts val="450"/>
-              </a:spcAft>
-              <a:buNone/>
-            </a:pPr>
-            <a:r>
-              <a:rPr lang="en-US" altLang="zh-CN" sz="1800" dirty="0">
-                <a:solidFill>
-                  <a:schemeClr val="tx1">
-                    <a:lumMod val="85000"/>
-                    <a:lumOff val="15000"/>
-                  </a:schemeClr>
-                </a:solidFill>
-                <a:hlinkClick r:id="rId2"/>
-              </a:rPr>
-              <a:t>http://developer.android.com/reference/android/os/Bundle.html</a:t>
-            </a:r>
-            <a:endParaRPr lang="en-US" altLang="zh-CN" sz="1800" dirty="0">
-              <a:solidFill>
-                <a:schemeClr val="tx1">
-                  <a:lumMod val="85000"/>
-                  <a:lumOff val="15000"/>
-                </a:schemeClr>
-              </a:solidFill>
-            </a:endParaRPr>
-          </a:p>
-        </p:txBody>
-      </p:sp>
-    </p:spTree>
-    <p:extLst>
-      <p:ext uri="{BB962C8B-B14F-4D97-AF65-F5344CB8AC3E}">
-        <p14:creationId xmlns:p14="http://schemas.microsoft.com/office/powerpoint/2010/main" val="3976255217"/>
-      </p:ext>
-    </p:extLst>
-  </p:cSld>
-  <p:clrMapOvr>
-    <a:masterClrMapping/>
-  </p:clrMapOvr>
-</p:sld>
-</file>
-
-<file path=ppt/slides/slide21.xml><?xml version="1.0" encoding="utf-8"?>
 <p:sld xmlns:a="http://schemas.openxmlformats.org/drawingml/2006/main" xmlns:r="http://schemas.openxmlformats.org/officeDocument/2006/relationships" xmlns:p="http://schemas.openxmlformats.org/presentationml/2006/main">
   <p:cSld>
     <p:spTree>
@@ -13788,7 +13756,7 @@
 </p:sld>
 </file>
 
-<file path=ppt/slides/slide22.xml><?xml version="1.0" encoding="utf-8"?>
+<file path=ppt/slides/slide21.xml><?xml version="1.0" encoding="utf-8"?>
 <p:sld xmlns:a="http://schemas.openxmlformats.org/drawingml/2006/main" xmlns:r="http://schemas.openxmlformats.org/officeDocument/2006/relationships" xmlns:p="http://schemas.openxmlformats.org/presentationml/2006/main">
   <p:cSld>
     <p:spTree>
@@ -14129,7 +14097,7 @@
 </p:sld>
 </file>
 
-<file path=ppt/slides/slide23.xml><?xml version="1.0" encoding="utf-8"?>
+<file path=ppt/slides/slide22.xml><?xml version="1.0" encoding="utf-8"?>
 <p:sld xmlns:a="http://schemas.openxmlformats.org/drawingml/2006/main" xmlns:r="http://schemas.openxmlformats.org/officeDocument/2006/relationships" xmlns:p="http://schemas.openxmlformats.org/presentationml/2006/main">
   <p:cSld>
     <p:spTree>
@@ -15137,7 +15105,7 @@
 </p:sld>
 </file>
 
-<file path=ppt/slides/slide24.xml><?xml version="1.0" encoding="utf-8"?>
+<file path=ppt/slides/slide23.xml><?xml version="1.0" encoding="utf-8"?>
 <p:sld xmlns:a="http://schemas.openxmlformats.org/drawingml/2006/main" xmlns:r="http://schemas.openxmlformats.org/officeDocument/2006/relationships" xmlns:p="http://schemas.openxmlformats.org/presentationml/2006/main">
   <p:cSld>
     <p:bg>
@@ -15339,7 +15307,7 @@
 </p:sld>
 </file>
 
-<file path=ppt/slides/slide25.xml><?xml version="1.0" encoding="utf-8"?>
+<file path=ppt/slides/slide24.xml><?xml version="1.0" encoding="utf-8"?>
 <p:sld xmlns:a="http://schemas.openxmlformats.org/drawingml/2006/main" xmlns:r="http://schemas.openxmlformats.org/officeDocument/2006/relationships" xmlns:p="http://schemas.openxmlformats.org/presentationml/2006/main">
   <p:cSld>
     <p:spTree>
@@ -15368,7 +15336,7 @@
         </p:nvSpPr>
         <p:spPr>
           <a:xfrm>
-            <a:off x="539552" y="915566"/>
+            <a:off x="539552" y="614150"/>
             <a:ext cx="8229600" cy="3394472"/>
           </a:xfrm>
         </p:spPr>
@@ -15534,7 +15502,7 @@
         </p:blipFill>
         <p:spPr>
           <a:xfrm>
-            <a:off x="1547664" y="1851670"/>
+            <a:off x="1547664" y="1563638"/>
             <a:ext cx="5745676" cy="3434656"/>
           </a:xfrm>
           <a:prstGeom prst="rect">
@@ -15552,6 +15520,838 @@
   <p:clrMapOvr>
     <a:masterClrMapping/>
   </p:clrMapOvr>
+</p:sld>
+</file>
+
+<file path=ppt/slides/slide25.xml><?xml version="1.0" encoding="utf-8"?>
+<p:sld xmlns:a="http://schemas.openxmlformats.org/drawingml/2006/main" xmlns:r="http://schemas.openxmlformats.org/officeDocument/2006/relationships" xmlns:p="http://schemas.openxmlformats.org/presentationml/2006/main">
+  <p:cSld>
+    <p:spTree>
+      <p:nvGrpSpPr>
+        <p:cNvPr id="1" name=""/>
+        <p:cNvGrpSpPr/>
+        <p:nvPr/>
+      </p:nvGrpSpPr>
+      <p:grpSpPr>
+        <a:xfrm>
+          <a:off x="0" y="0"/>
+          <a:ext cx="0" cy="0"/>
+          <a:chOff x="0" y="0"/>
+          <a:chExt cx="0" cy="0"/>
+        </a:xfrm>
+      </p:grpSpPr>
+      <p:sp>
+        <p:nvSpPr>
+          <p:cNvPr id="2" name="标题 1"/>
+          <p:cNvSpPr>
+            <a:spLocks noGrp="1"/>
+          </p:cNvSpPr>
+          <p:nvPr>
+            <p:ph type="title"/>
+          </p:nvPr>
+        </p:nvSpPr>
+        <p:spPr>
+          <a:xfrm>
+            <a:off x="457200" y="-92546"/>
+            <a:ext cx="8229600" cy="857250"/>
+          </a:xfrm>
+        </p:spPr>
+        <p:txBody>
+          <a:bodyPr/>
+          <a:lstStyle/>
+          <a:p>
+            <a:pPr>
+              <a:defRPr/>
+            </a:pPr>
+            <a:r>
+              <a:rPr lang="en-US" altLang="zh-CN" sz="3600" dirty="0">
+                <a:latin typeface="+mn-ea"/>
+                <a:ea typeface="+mn-ea"/>
+              </a:rPr>
+              <a:t>Activity</a:t>
+            </a:r>
+            <a:r>
+              <a:rPr lang="zh-CN" altLang="en-US" sz="3600" dirty="0">
+                <a:latin typeface="+mn-ea"/>
+                <a:ea typeface="+mn-ea"/>
+              </a:rPr>
+              <a:t>的生命周期</a:t>
+            </a:r>
+          </a:p>
+        </p:txBody>
+      </p:sp>
+      <p:sp>
+        <p:nvSpPr>
+          <p:cNvPr id="3" name="内容占位符 2"/>
+          <p:cNvSpPr>
+            <a:spLocks noGrp="1"/>
+          </p:cNvSpPr>
+          <p:nvPr>
+            <p:ph idx="4294967295"/>
+          </p:nvPr>
+        </p:nvSpPr>
+        <p:spPr>
+          <a:xfrm>
+            <a:off x="575556" y="1200151"/>
+            <a:ext cx="8111244" cy="3394472"/>
+          </a:xfrm>
+        </p:spPr>
+        <p:txBody>
+          <a:bodyPr>
+            <a:normAutofit/>
+          </a:bodyPr>
+          <a:lstStyle/>
+          <a:p>
+            <a:pPr marL="257175" lvl="1" indent="-257175">
+              <a:spcBef>
+                <a:spcPts val="900"/>
+              </a:spcBef>
+              <a:spcAft>
+                <a:spcPts val="450"/>
+              </a:spcAft>
+              <a:buFont typeface="Arial" pitchFamily="34" charset="0"/>
+              <a:buChar char="•"/>
+            </a:pPr>
+            <a:r>
+              <a:rPr lang="en-US" altLang="zh-CN" sz="2400" dirty="0">
+                <a:solidFill>
+                  <a:schemeClr val="tx1">
+                    <a:lumMod val="85000"/>
+                    <a:lumOff val="15000"/>
+                  </a:schemeClr>
+                </a:solidFill>
+              </a:rPr>
+              <a:t>Activity</a:t>
+            </a:r>
+            <a:r>
+              <a:rPr lang="zh-CN" altLang="en-US" sz="2400" dirty="0">
+                <a:solidFill>
+                  <a:schemeClr val="tx1">
+                    <a:lumMod val="85000"/>
+                    <a:lumOff val="15000"/>
+                  </a:schemeClr>
+                </a:solidFill>
+              </a:rPr>
+              <a:t>在运行时会受到一些突发事件的</a:t>
+            </a:r>
+            <a:r>
+              <a:rPr lang="zh-CN" altLang="en-US" sz="2400">
+                <a:solidFill>
+                  <a:schemeClr val="tx1">
+                    <a:lumMod val="85000"/>
+                    <a:lumOff val="15000"/>
+                  </a:schemeClr>
+                </a:solidFill>
+              </a:rPr>
+              <a:t>影响（例如在</a:t>
+            </a:r>
+            <a:r>
+              <a:rPr lang="zh-CN" altLang="en-US" sz="2400" dirty="0">
+                <a:solidFill>
+                  <a:schemeClr val="tx1">
+                    <a:lumMod val="85000"/>
+                    <a:lumOff val="15000"/>
+                  </a:schemeClr>
+                </a:solidFill>
+              </a:rPr>
+              <a:t>一个</a:t>
+            </a:r>
+            <a:r>
+              <a:rPr lang="en-US" altLang="zh-CN" sz="2400" dirty="0">
+                <a:solidFill>
+                  <a:schemeClr val="tx1">
+                    <a:lumMod val="85000"/>
+                    <a:lumOff val="15000"/>
+                  </a:schemeClr>
+                </a:solidFill>
+              </a:rPr>
+              <a:t>Activity</a:t>
+            </a:r>
+            <a:r>
+              <a:rPr lang="zh-CN" altLang="en-US" sz="2400" dirty="0">
+                <a:solidFill>
+                  <a:schemeClr val="tx1">
+                    <a:lumMod val="85000"/>
+                    <a:lumOff val="15000"/>
+                  </a:schemeClr>
+                </a:solidFill>
+              </a:rPr>
+              <a:t>中，突然打入一个</a:t>
+            </a:r>
+            <a:r>
+              <a:rPr lang="zh-CN" altLang="en-US" sz="2400">
+                <a:solidFill>
+                  <a:schemeClr val="tx1">
+                    <a:lumMod val="85000"/>
+                    <a:lumOff val="15000"/>
+                  </a:schemeClr>
+                </a:solidFill>
+              </a:rPr>
+              <a:t>电话），</a:t>
+            </a:r>
+            <a:r>
+              <a:rPr lang="en-US" altLang="zh-CN" sz="2400">
+                <a:solidFill>
+                  <a:schemeClr val="tx1">
+                    <a:lumMod val="85000"/>
+                    <a:lumOff val="15000"/>
+                  </a:schemeClr>
+                </a:solidFill>
+              </a:rPr>
+              <a:t>Android</a:t>
+            </a:r>
+            <a:r>
+              <a:rPr lang="zh-CN" altLang="en-US" sz="2400" dirty="0">
+                <a:solidFill>
+                  <a:schemeClr val="tx1">
+                    <a:lumMod val="85000"/>
+                    <a:lumOff val="15000"/>
+                  </a:schemeClr>
+                </a:solidFill>
+              </a:rPr>
+              <a:t>应用需要具备处理这些突发事件</a:t>
+            </a:r>
+            <a:r>
+              <a:rPr lang="zh-CN" altLang="en-US" sz="2400">
+                <a:solidFill>
+                  <a:schemeClr val="tx1">
+                    <a:lumMod val="85000"/>
+                    <a:lumOff val="15000"/>
+                  </a:schemeClr>
+                </a:solidFill>
+              </a:rPr>
+              <a:t>的能力，要处理这些事件需要</a:t>
+            </a:r>
+            <a:r>
+              <a:rPr lang="zh-CN" altLang="en-US" sz="2400" dirty="0">
+                <a:solidFill>
+                  <a:schemeClr val="tx1">
+                    <a:lumMod val="85000"/>
+                    <a:lumOff val="15000"/>
+                  </a:schemeClr>
+                </a:solidFill>
+              </a:rPr>
+              <a:t>掌握</a:t>
+            </a:r>
+            <a:r>
+              <a:rPr lang="en-US" altLang="zh-CN" sz="2400" dirty="0">
+                <a:solidFill>
+                  <a:srgbClr val="C00000"/>
+                </a:solidFill>
+              </a:rPr>
+              <a:t>Activity</a:t>
+            </a:r>
+            <a:r>
+              <a:rPr lang="zh-CN" altLang="en-US" sz="2400" dirty="0">
+                <a:solidFill>
+                  <a:srgbClr val="C00000"/>
+                </a:solidFill>
+              </a:rPr>
+              <a:t>的生命周期</a:t>
+            </a:r>
+            <a:r>
+              <a:rPr lang="zh-CN" altLang="en-US" sz="2400" dirty="0">
+                <a:solidFill>
+                  <a:schemeClr val="tx1">
+                    <a:lumMod val="85000"/>
+                    <a:lumOff val="15000"/>
+                  </a:schemeClr>
+                </a:solidFill>
+              </a:rPr>
+              <a:t>。</a:t>
+            </a:r>
+            <a:endParaRPr lang="en-US" altLang="zh-CN" sz="2400" dirty="0">
+              <a:solidFill>
+                <a:schemeClr val="tx1">
+                  <a:lumMod val="85000"/>
+                  <a:lumOff val="15000"/>
+                </a:schemeClr>
+              </a:solidFill>
+            </a:endParaRPr>
+          </a:p>
+          <a:p>
+            <a:pPr marL="257175" lvl="1" indent="-257175">
+              <a:spcBef>
+                <a:spcPts val="900"/>
+              </a:spcBef>
+              <a:spcAft>
+                <a:spcPts val="450"/>
+              </a:spcAft>
+              <a:buFont typeface="Arial" pitchFamily="34" charset="0"/>
+              <a:buChar char="•"/>
+            </a:pPr>
+            <a:r>
+              <a:rPr lang="zh-CN" altLang="en-US" sz="2400" dirty="0">
+                <a:solidFill>
+                  <a:schemeClr val="tx1">
+                    <a:lumMod val="85000"/>
+                    <a:lumOff val="15000"/>
+                  </a:schemeClr>
+                </a:solidFill>
+              </a:rPr>
+              <a:t>在讨论</a:t>
+            </a:r>
+            <a:r>
+              <a:rPr lang="en-US" altLang="zh-CN" sz="2400" dirty="0">
+                <a:solidFill>
+                  <a:schemeClr val="tx1">
+                    <a:lumMod val="85000"/>
+                    <a:lumOff val="15000"/>
+                  </a:schemeClr>
+                </a:solidFill>
+              </a:rPr>
+              <a:t>Activity</a:t>
+            </a:r>
+            <a:r>
+              <a:rPr lang="zh-CN" altLang="en-US" sz="2400" dirty="0">
+                <a:solidFill>
+                  <a:schemeClr val="tx1">
+                    <a:lumMod val="85000"/>
+                    <a:lumOff val="15000"/>
+                  </a:schemeClr>
+                </a:solidFill>
+              </a:rPr>
+              <a:t>生命周期之前，补充两点基本内容：</a:t>
+            </a:r>
+            <a:endParaRPr lang="en-US" altLang="zh-CN" sz="2400" dirty="0">
+              <a:solidFill>
+                <a:schemeClr val="tx1">
+                  <a:lumMod val="85000"/>
+                  <a:lumOff val="15000"/>
+                </a:schemeClr>
+              </a:solidFill>
+            </a:endParaRPr>
+          </a:p>
+          <a:p>
+            <a:pPr lvl="1">
+              <a:spcBef>
+                <a:spcPts val="900"/>
+              </a:spcBef>
+              <a:spcAft>
+                <a:spcPts val="450"/>
+              </a:spcAft>
+              <a:defRPr/>
+            </a:pPr>
+            <a:r>
+              <a:rPr lang="en-US" altLang="zh-CN" sz="2400" dirty="0">
+                <a:solidFill>
+                  <a:schemeClr val="tx1">
+                    <a:lumMod val="85000"/>
+                    <a:lumOff val="15000"/>
+                  </a:schemeClr>
+                </a:solidFill>
+              </a:rPr>
+              <a:t>Activity</a:t>
+            </a:r>
+            <a:r>
+              <a:rPr lang="zh-CN" altLang="en-US" sz="2400" dirty="0">
+                <a:solidFill>
+                  <a:schemeClr val="tx1">
+                    <a:lumMod val="85000"/>
+                    <a:lumOff val="15000"/>
+                  </a:schemeClr>
+                </a:solidFill>
+              </a:rPr>
+              <a:t>活动栈</a:t>
+            </a:r>
+            <a:endParaRPr lang="en-US" altLang="zh-CN" sz="2400" dirty="0">
+              <a:solidFill>
+                <a:schemeClr val="tx1">
+                  <a:lumMod val="85000"/>
+                  <a:lumOff val="15000"/>
+                </a:schemeClr>
+              </a:solidFill>
+            </a:endParaRPr>
+          </a:p>
+          <a:p>
+            <a:pPr lvl="1">
+              <a:spcBef>
+                <a:spcPts val="900"/>
+              </a:spcBef>
+              <a:spcAft>
+                <a:spcPts val="450"/>
+              </a:spcAft>
+              <a:defRPr/>
+            </a:pPr>
+            <a:r>
+              <a:rPr lang="en-US" altLang="zh-CN" sz="2400" dirty="0">
+                <a:solidFill>
+                  <a:schemeClr val="tx1">
+                    <a:lumMod val="85000"/>
+                    <a:lumOff val="15000"/>
+                  </a:schemeClr>
+                </a:solidFill>
+              </a:rPr>
+              <a:t>Activity</a:t>
+            </a:r>
+            <a:r>
+              <a:rPr lang="zh-CN" altLang="en-US" sz="2400" dirty="0">
+                <a:solidFill>
+                  <a:schemeClr val="tx1">
+                    <a:lumMod val="85000"/>
+                    <a:lumOff val="15000"/>
+                  </a:schemeClr>
+                </a:solidFill>
+              </a:rPr>
+              <a:t>的活动状态</a:t>
+            </a:r>
+            <a:endParaRPr lang="en-US" altLang="zh-CN" sz="2400" dirty="0">
+              <a:solidFill>
+                <a:schemeClr val="tx1">
+                  <a:lumMod val="85000"/>
+                  <a:lumOff val="15000"/>
+                </a:schemeClr>
+              </a:solidFill>
+            </a:endParaRPr>
+          </a:p>
+        </p:txBody>
+      </p:sp>
+      <p:sp>
+        <p:nvSpPr>
+          <p:cNvPr id="2053" name="Rectangle 2"/>
+          <p:cNvSpPr>
+            <a:spLocks noChangeArrowheads="1"/>
+          </p:cNvSpPr>
+          <p:nvPr/>
+        </p:nvSpPr>
+        <p:spPr bwMode="auto">
+          <a:xfrm>
+            <a:off x="1143001" y="-150041"/>
+            <a:ext cx="184731" cy="300082"/>
+          </a:xfrm>
+          <a:prstGeom prst="rect">
+            <a:avLst/>
+          </a:prstGeom>
+          <a:noFill/>
+          <a:ln>
+            <a:noFill/>
+          </a:ln>
+          <a:extLst>
+            <a:ext uri="{909E8E84-426E-40DD-AFC4-6F175D3DCCD1}">
+              <a14:hiddenFill xmlns:a14="http://schemas.microsoft.com/office/drawing/2010/main">
+                <a:solidFill>
+                  <a:srgbClr val="FFFFFF"/>
+                </a:solidFill>
+              </a14:hiddenFill>
+            </a:ext>
+            <a:ext uri="{91240B29-F687-4F45-9708-019B960494DF}">
+              <a14:hiddenLine xmlns:a14="http://schemas.microsoft.com/office/drawing/2010/main" w="9525" algn="ctr">
+                <a:solidFill>
+                  <a:srgbClr val="000000"/>
+                </a:solidFill>
+                <a:miter lim="800000"/>
+                <a:headEnd/>
+                <a:tailEnd/>
+              </a14:hiddenLine>
+            </a:ext>
+          </a:extLst>
+        </p:spPr>
+        <p:txBody>
+          <a:bodyPr wrap="none" anchor="ctr">
+            <a:spAutoFit/>
+          </a:bodyPr>
+          <a:lstStyle/>
+          <a:p>
+            <a:pPr>
+              <a:spcBef>
+                <a:spcPct val="20000"/>
+              </a:spcBef>
+              <a:buClr>
+                <a:schemeClr val="accent2"/>
+              </a:buClr>
+              <a:buSzPct val="70000"/>
+              <a:buFont typeface="Wingdings" pitchFamily="2" charset="2"/>
+              <a:buNone/>
+            </a:pPr>
+            <a:endParaRPr lang="zh-CN" altLang="en-US" sz="1350"/>
+          </a:p>
+        </p:txBody>
+      </p:sp>
+    </p:spTree>
+    <p:extLst>
+      <p:ext uri="{BB962C8B-B14F-4D97-AF65-F5344CB8AC3E}">
+        <p14:creationId xmlns:p14="http://schemas.microsoft.com/office/powerpoint/2010/main" val="2110733581"/>
+      </p:ext>
+    </p:extLst>
+  </p:cSld>
+  <p:clrMapOvr>
+    <a:masterClrMapping/>
+  </p:clrMapOvr>
+  <p:timing>
+    <p:tnLst>
+      <p:par>
+        <p:cTn id="1" dur="indefinite" restart="never" nodeType="tmRoot">
+          <p:childTnLst>
+            <p:seq concurrent="1" nextAc="seek">
+              <p:cTn id="2" dur="indefinite" nodeType="mainSeq">
+                <p:childTnLst>
+                  <p:par>
+                    <p:cTn id="3" fill="hold">
+                      <p:stCondLst>
+                        <p:cond delay="indefinite"/>
+                      </p:stCondLst>
+                      <p:childTnLst>
+                        <p:par>
+                          <p:cTn id="4" fill="hold">
+                            <p:stCondLst>
+                              <p:cond delay="0"/>
+                            </p:stCondLst>
+                            <p:childTnLst>
+                              <p:par>
+                                <p:cTn id="5" presetID="42" presetClass="entr" presetSubtype="0" fill="hold" nodeType="clickEffect">
+                                  <p:stCondLst>
+                                    <p:cond delay="0"/>
+                                  </p:stCondLst>
+                                  <p:childTnLst>
+                                    <p:set>
+                                      <p:cBhvr>
+                                        <p:cTn id="6" dur="1" fill="hold">
+                                          <p:stCondLst>
+                                            <p:cond delay="0"/>
+                                          </p:stCondLst>
+                                        </p:cTn>
+                                        <p:tgtEl>
+                                          <p:spTgt spid="3">
+                                            <p:txEl>
+                                              <p:pRg st="1" end="1"/>
+                                            </p:txEl>
+                                          </p:spTgt>
+                                        </p:tgtEl>
+                                        <p:attrNameLst>
+                                          <p:attrName>style.visibility</p:attrName>
+                                        </p:attrNameLst>
+                                      </p:cBhvr>
+                                      <p:to>
+                                        <p:strVal val="visible"/>
+                                      </p:to>
+                                    </p:set>
+                                    <p:animEffect transition="in" filter="fade">
+                                      <p:cBhvr>
+                                        <p:cTn id="7" dur="1000"/>
+                                        <p:tgtEl>
+                                          <p:spTgt spid="3">
+                                            <p:txEl>
+                                              <p:pRg st="1" end="1"/>
+                                            </p:txEl>
+                                          </p:spTgt>
+                                        </p:tgtEl>
+                                      </p:cBhvr>
+                                    </p:animEffect>
+                                    <p:anim calcmode="lin" valueType="num">
+                                      <p:cBhvr>
+                                        <p:cTn id="8" dur="1000" fill="hold"/>
+                                        <p:tgtEl>
+                                          <p:spTgt spid="3">
+                                            <p:txEl>
+                                              <p:pRg st="1" end="1"/>
+                                            </p:txEl>
+                                          </p:spTgt>
+                                        </p:tgtEl>
+                                        <p:attrNameLst>
+                                          <p:attrName>ppt_x</p:attrName>
+                                        </p:attrNameLst>
+                                      </p:cBhvr>
+                                      <p:tavLst>
+                                        <p:tav tm="0">
+                                          <p:val>
+                                            <p:strVal val="#ppt_x"/>
+                                          </p:val>
+                                        </p:tav>
+                                        <p:tav tm="100000">
+                                          <p:val>
+                                            <p:strVal val="#ppt_x"/>
+                                          </p:val>
+                                        </p:tav>
+                                      </p:tavLst>
+                                    </p:anim>
+                                    <p:anim calcmode="lin" valueType="num">
+                                      <p:cBhvr>
+                                        <p:cTn id="9" dur="1000" fill="hold"/>
+                                        <p:tgtEl>
+                                          <p:spTgt spid="3">
+                                            <p:txEl>
+                                              <p:pRg st="1" end="1"/>
+                                            </p:txEl>
+                                          </p:spTgt>
+                                        </p:tgtEl>
+                                        <p:attrNameLst>
+                                          <p:attrName>ppt_y</p:attrName>
+                                        </p:attrNameLst>
+                                      </p:cBhvr>
+                                      <p:tavLst>
+                                        <p:tav tm="0">
+                                          <p:val>
+                                            <p:strVal val="#ppt_y+.1"/>
+                                          </p:val>
+                                        </p:tav>
+                                        <p:tav tm="100000">
+                                          <p:val>
+                                            <p:strVal val="#ppt_y"/>
+                                          </p:val>
+                                        </p:tav>
+                                      </p:tavLst>
+                                    </p:anim>
+                                  </p:childTnLst>
+                                </p:cTn>
+                              </p:par>
+                            </p:childTnLst>
+                          </p:cTn>
+                        </p:par>
+                      </p:childTnLst>
+                    </p:cTn>
+                  </p:par>
+                  <p:par>
+                    <p:cTn id="10" fill="hold">
+                      <p:stCondLst>
+                        <p:cond delay="indefinite"/>
+                      </p:stCondLst>
+                      <p:childTnLst>
+                        <p:par>
+                          <p:cTn id="11" fill="hold">
+                            <p:stCondLst>
+                              <p:cond delay="0"/>
+                            </p:stCondLst>
+                            <p:childTnLst>
+                              <p:par>
+                                <p:cTn id="12" presetID="42" presetClass="entr" presetSubtype="0" fill="hold" nodeType="clickEffect">
+                                  <p:stCondLst>
+                                    <p:cond delay="0"/>
+                                  </p:stCondLst>
+                                  <p:childTnLst>
+                                    <p:set>
+                                      <p:cBhvr>
+                                        <p:cTn id="13" dur="1" fill="hold">
+                                          <p:stCondLst>
+                                            <p:cond delay="0"/>
+                                          </p:stCondLst>
+                                        </p:cTn>
+                                        <p:tgtEl>
+                                          <p:spTgt spid="3">
+                                            <p:txEl>
+                                              <p:pRg st="2" end="2"/>
+                                            </p:txEl>
+                                          </p:spTgt>
+                                        </p:tgtEl>
+                                        <p:attrNameLst>
+                                          <p:attrName>style.visibility</p:attrName>
+                                        </p:attrNameLst>
+                                      </p:cBhvr>
+                                      <p:to>
+                                        <p:strVal val="visible"/>
+                                      </p:to>
+                                    </p:set>
+                                    <p:animEffect transition="in" filter="fade">
+                                      <p:cBhvr>
+                                        <p:cTn id="14" dur="1000"/>
+                                        <p:tgtEl>
+                                          <p:spTgt spid="3">
+                                            <p:txEl>
+                                              <p:pRg st="2" end="2"/>
+                                            </p:txEl>
+                                          </p:spTgt>
+                                        </p:tgtEl>
+                                      </p:cBhvr>
+                                    </p:animEffect>
+                                    <p:anim calcmode="lin" valueType="num">
+                                      <p:cBhvr>
+                                        <p:cTn id="15" dur="1000" fill="hold"/>
+                                        <p:tgtEl>
+                                          <p:spTgt spid="3">
+                                            <p:txEl>
+                                              <p:pRg st="2" end="2"/>
+                                            </p:txEl>
+                                          </p:spTgt>
+                                        </p:tgtEl>
+                                        <p:attrNameLst>
+                                          <p:attrName>ppt_x</p:attrName>
+                                        </p:attrNameLst>
+                                      </p:cBhvr>
+                                      <p:tavLst>
+                                        <p:tav tm="0">
+                                          <p:val>
+                                            <p:strVal val="#ppt_x"/>
+                                          </p:val>
+                                        </p:tav>
+                                        <p:tav tm="100000">
+                                          <p:val>
+                                            <p:strVal val="#ppt_x"/>
+                                          </p:val>
+                                        </p:tav>
+                                      </p:tavLst>
+                                    </p:anim>
+                                    <p:anim calcmode="lin" valueType="num">
+                                      <p:cBhvr>
+                                        <p:cTn id="16" dur="1000" fill="hold"/>
+                                        <p:tgtEl>
+                                          <p:spTgt spid="3">
+                                            <p:txEl>
+                                              <p:pRg st="2" end="2"/>
+                                            </p:txEl>
+                                          </p:spTgt>
+                                        </p:tgtEl>
+                                        <p:attrNameLst>
+                                          <p:attrName>ppt_y</p:attrName>
+                                        </p:attrNameLst>
+                                      </p:cBhvr>
+                                      <p:tavLst>
+                                        <p:tav tm="0">
+                                          <p:val>
+                                            <p:strVal val="#ppt_y+.1"/>
+                                          </p:val>
+                                        </p:tav>
+                                        <p:tav tm="100000">
+                                          <p:val>
+                                            <p:strVal val="#ppt_y"/>
+                                          </p:val>
+                                        </p:tav>
+                                      </p:tavLst>
+                                    </p:anim>
+                                  </p:childTnLst>
+                                </p:cTn>
+                              </p:par>
+                            </p:childTnLst>
+                          </p:cTn>
+                        </p:par>
+                      </p:childTnLst>
+                    </p:cTn>
+                  </p:par>
+                  <p:par>
+                    <p:cTn id="17" fill="hold">
+                      <p:stCondLst>
+                        <p:cond delay="indefinite"/>
+                      </p:stCondLst>
+                      <p:childTnLst>
+                        <p:par>
+                          <p:cTn id="18" fill="hold">
+                            <p:stCondLst>
+                              <p:cond delay="0"/>
+                            </p:stCondLst>
+                            <p:childTnLst>
+                              <p:par>
+                                <p:cTn id="19" presetID="42" presetClass="entr" presetSubtype="0" fill="hold" nodeType="clickEffect">
+                                  <p:stCondLst>
+                                    <p:cond delay="0"/>
+                                  </p:stCondLst>
+                                  <p:childTnLst>
+                                    <p:set>
+                                      <p:cBhvr>
+                                        <p:cTn id="20" dur="1" fill="hold">
+                                          <p:stCondLst>
+                                            <p:cond delay="0"/>
+                                          </p:stCondLst>
+                                        </p:cTn>
+                                        <p:tgtEl>
+                                          <p:spTgt spid="3">
+                                            <p:txEl>
+                                              <p:pRg st="3" end="3"/>
+                                            </p:txEl>
+                                          </p:spTgt>
+                                        </p:tgtEl>
+                                        <p:attrNameLst>
+                                          <p:attrName>style.visibility</p:attrName>
+                                        </p:attrNameLst>
+                                      </p:cBhvr>
+                                      <p:to>
+                                        <p:strVal val="visible"/>
+                                      </p:to>
+                                    </p:set>
+                                    <p:animEffect transition="in" filter="fade">
+                                      <p:cBhvr>
+                                        <p:cTn id="21" dur="1000"/>
+                                        <p:tgtEl>
+                                          <p:spTgt spid="3">
+                                            <p:txEl>
+                                              <p:pRg st="3" end="3"/>
+                                            </p:txEl>
+                                          </p:spTgt>
+                                        </p:tgtEl>
+                                      </p:cBhvr>
+                                    </p:animEffect>
+                                    <p:anim calcmode="lin" valueType="num">
+                                      <p:cBhvr>
+                                        <p:cTn id="22" dur="1000" fill="hold"/>
+                                        <p:tgtEl>
+                                          <p:spTgt spid="3">
+                                            <p:txEl>
+                                              <p:pRg st="3" end="3"/>
+                                            </p:txEl>
+                                          </p:spTgt>
+                                        </p:tgtEl>
+                                        <p:attrNameLst>
+                                          <p:attrName>ppt_x</p:attrName>
+                                        </p:attrNameLst>
+                                      </p:cBhvr>
+                                      <p:tavLst>
+                                        <p:tav tm="0">
+                                          <p:val>
+                                            <p:strVal val="#ppt_x"/>
+                                          </p:val>
+                                        </p:tav>
+                                        <p:tav tm="100000">
+                                          <p:val>
+                                            <p:strVal val="#ppt_x"/>
+                                          </p:val>
+                                        </p:tav>
+                                      </p:tavLst>
+                                    </p:anim>
+                                    <p:anim calcmode="lin" valueType="num">
+                                      <p:cBhvr>
+                                        <p:cTn id="23" dur="1000" fill="hold"/>
+                                        <p:tgtEl>
+                                          <p:spTgt spid="3">
+                                            <p:txEl>
+                                              <p:pRg st="3" end="3"/>
+                                            </p:txEl>
+                                          </p:spTgt>
+                                        </p:tgtEl>
+                                        <p:attrNameLst>
+                                          <p:attrName>ppt_y</p:attrName>
+                                        </p:attrNameLst>
+                                      </p:cBhvr>
+                                      <p:tavLst>
+                                        <p:tav tm="0">
+                                          <p:val>
+                                            <p:strVal val="#ppt_y+.1"/>
+                                          </p:val>
+                                        </p:tav>
+                                        <p:tav tm="100000">
+                                          <p:val>
+                                            <p:strVal val="#ppt_y"/>
+                                          </p:val>
+                                        </p:tav>
+                                      </p:tavLst>
+                                    </p:anim>
+                                  </p:childTnLst>
+                                </p:cTn>
+                              </p:par>
+                            </p:childTnLst>
+                          </p:cTn>
+                        </p:par>
+                      </p:childTnLst>
+                    </p:cTn>
+                  </p:par>
+                </p:childTnLst>
+              </p:cTn>
+              <p:prevCondLst>
+                <p:cond evt="onPrev" delay="0">
+                  <p:tgtEl>
+                    <p:sldTgt/>
+                  </p:tgtEl>
+                </p:cond>
+              </p:prevCondLst>
+              <p:nextCondLst>
+                <p:cond evt="onNext" delay="0">
+                  <p:tgtEl>
+                    <p:sldTgt/>
+                  </p:tgtEl>
+                </p:cond>
+              </p:nextCondLst>
+            </p:seq>
+          </p:childTnLst>
+        </p:cTn>
+      </p:par>
+    </p:tnLst>
+  </p:timing>
 </p:sld>
 </file>
 
@@ -15793,7 +16593,7 @@
           <a:graphicData uri="http://schemas.openxmlformats.org/presentationml/2006/ole">
             <mc:AlternateContent xmlns:mc="http://schemas.openxmlformats.org/markup-compatibility/2006">
               <mc:Choice xmlns:v="urn:schemas-microsoft-com:vml" Requires="v">
-                <p:oleObj spid="_x0000_s2169" name="Visio" r:id="rId3" imgW="5572760" imgH="3490383" progId="Visio.Drawing.11">
+                <p:oleObj spid="_x0000_s2174" name="Visio" r:id="rId3" imgW="5572760" imgH="3490383" progId="Visio.Drawing.11">
                   <p:embed/>
                 </p:oleObj>
               </mc:Choice>
@@ -16352,7 +17152,26 @@
                   </a:schemeClr>
                 </a:solidFill>
               </a:rPr>
-              <a:t>在界面上被部分遮挡，不再处于用户界面的最上层，</a:t>
+              <a:t>在界面上被</a:t>
+            </a:r>
+            <a:r>
+              <a:rPr lang="zh-CN" altLang="en-US" sz="2400" dirty="0">
+                <a:solidFill>
+                  <a:srgbClr val="FF0000"/>
+                </a:solidFill>
+              </a:rPr>
+              <a:t>部分遮挡</a:t>
+            </a:r>
+            <a:r>
+              <a:rPr lang="zh-CN" altLang="en-US" sz="2400" dirty="0">
+                <a:solidFill>
+                  <a:schemeClr val="tx1">
+                    <a:lumMod val="85000"/>
+                    <a:lumOff val="15000"/>
+                  </a:schemeClr>
+                </a:solidFill>
+              </a:rPr>
+              <a:t>，不再处于用户界面的最上层，</a:t>
             </a:r>
             <a:r>
               <a:rPr lang="zh-CN" altLang="en-US" sz="2400" dirty="0">
@@ -19474,7 +20293,7 @@
             <a:p>
               <a:pPr algn="ctr"/>
               <a:r>
-                <a:rPr lang="en-US" altLang="zh-CN" sz="1200" b="1">
+                <a:rPr lang="en-US" altLang="zh-CN" sz="1200" b="1" dirty="0" err="1">
                   <a:solidFill>
                     <a:schemeClr val="tx1">
                       <a:lumMod val="85000"/>
@@ -19484,9 +20303,22 @@
                   <a:latin typeface="+mn-ea"/>
                   <a:cs typeface="Arial" panose="020B0604020202020204" pitchFamily="34" charset="0"/>
                 </a:rPr>
-                <a:t>onStop()</a:t>
+                <a:t>onStop</a:t>
               </a:r>
-              <a:endParaRPr lang="zh-CN" altLang="en-US" sz="1200" b="1">
+              <a:r>
+                <a:rPr lang="en-US" altLang="zh-CN" sz="1200" b="1" dirty="0">
+                  <a:solidFill>
+                    <a:schemeClr val="tx1">
+                      <a:lumMod val="85000"/>
+                      <a:lumOff val="15000"/>
+                    </a:schemeClr>
+                  </a:solidFill>
+                  <a:latin typeface="+mn-ea"/>
+                  <a:cs typeface="Arial" panose="020B0604020202020204" pitchFamily="34" charset="0"/>
+                </a:rPr>
+                <a:t>()</a:t>
+              </a:r>
+              <a:endParaRPr lang="zh-CN" altLang="en-US" sz="1200" b="1" dirty="0">
                 <a:solidFill>
                   <a:schemeClr val="tx1">
                     <a:lumMod val="85000"/>
@@ -20847,7 +21679,7 @@
             <a:lstStyle/>
             <a:p>
               <a:r>
-                <a:rPr lang="en-US" altLang="zh-CN" sz="1200">
+                <a:rPr lang="en-US" altLang="zh-CN" sz="1200" dirty="0" err="1">
                   <a:solidFill>
                     <a:schemeClr val="tx1">
                       <a:lumMod val="85000"/>
@@ -20859,7 +21691,7 @@
                 <a:t>Acticity</a:t>
               </a:r>
               <a:r>
-                <a:rPr lang="zh-CN" altLang="en-US" sz="1200">
+                <a:rPr lang="zh-CN" altLang="en-US" sz="1200" dirty="0">
                   <a:solidFill>
                     <a:schemeClr val="tx1">
                       <a:lumMod val="85000"/>
